--- a/doc/CodingChallenge.pptx
+++ b/doc/CodingChallenge.pptx
@@ -258,7 +258,7 @@
           <a:p>
             <a:fld id="{43D3CD6A-D3FE-4E1A-8BCC-EA6422867701}" type="datetimeFigureOut">
               <a:rPr lang="en-US" smtClean="0"/>
-              <a:t>21-Mar-15</a:t>
+              <a:t>22-Mar-15</a:t>
             </a:fld>
             <a:endParaRPr lang="en-US"/>
           </a:p>
@@ -428,7 +428,7 @@
           <a:p>
             <a:fld id="{43D3CD6A-D3FE-4E1A-8BCC-EA6422867701}" type="datetimeFigureOut">
               <a:rPr lang="en-US" smtClean="0"/>
-              <a:t>21-Mar-15</a:t>
+              <a:t>22-Mar-15</a:t>
             </a:fld>
             <a:endParaRPr lang="en-US"/>
           </a:p>
@@ -608,7 +608,7 @@
           <a:p>
             <a:fld id="{43D3CD6A-D3FE-4E1A-8BCC-EA6422867701}" type="datetimeFigureOut">
               <a:rPr lang="en-US" smtClean="0"/>
-              <a:t>21-Mar-15</a:t>
+              <a:t>22-Mar-15</a:t>
             </a:fld>
             <a:endParaRPr lang="en-US"/>
           </a:p>
@@ -778,7 +778,7 @@
           <a:p>
             <a:fld id="{43D3CD6A-D3FE-4E1A-8BCC-EA6422867701}" type="datetimeFigureOut">
               <a:rPr lang="en-US" smtClean="0"/>
-              <a:t>21-Mar-15</a:t>
+              <a:t>22-Mar-15</a:t>
             </a:fld>
             <a:endParaRPr lang="en-US"/>
           </a:p>
@@ -1024,7 +1024,7 @@
           <a:p>
             <a:fld id="{43D3CD6A-D3FE-4E1A-8BCC-EA6422867701}" type="datetimeFigureOut">
               <a:rPr lang="en-US" smtClean="0"/>
-              <a:t>21-Mar-15</a:t>
+              <a:t>22-Mar-15</a:t>
             </a:fld>
             <a:endParaRPr lang="en-US"/>
           </a:p>
@@ -1256,7 +1256,7 @@
           <a:p>
             <a:fld id="{43D3CD6A-D3FE-4E1A-8BCC-EA6422867701}" type="datetimeFigureOut">
               <a:rPr lang="en-US" smtClean="0"/>
-              <a:t>21-Mar-15</a:t>
+              <a:t>22-Mar-15</a:t>
             </a:fld>
             <a:endParaRPr lang="en-US"/>
           </a:p>
@@ -1623,7 +1623,7 @@
           <a:p>
             <a:fld id="{43D3CD6A-D3FE-4E1A-8BCC-EA6422867701}" type="datetimeFigureOut">
               <a:rPr lang="en-US" smtClean="0"/>
-              <a:t>21-Mar-15</a:t>
+              <a:t>22-Mar-15</a:t>
             </a:fld>
             <a:endParaRPr lang="en-US"/>
           </a:p>
@@ -1741,7 +1741,7 @@
           <a:p>
             <a:fld id="{43D3CD6A-D3FE-4E1A-8BCC-EA6422867701}" type="datetimeFigureOut">
               <a:rPr lang="en-US" smtClean="0"/>
-              <a:t>21-Mar-15</a:t>
+              <a:t>22-Mar-15</a:t>
             </a:fld>
             <a:endParaRPr lang="en-US"/>
           </a:p>
@@ -1836,7 +1836,7 @@
           <a:p>
             <a:fld id="{43D3CD6A-D3FE-4E1A-8BCC-EA6422867701}" type="datetimeFigureOut">
               <a:rPr lang="en-US" smtClean="0"/>
-              <a:t>21-Mar-15</a:t>
+              <a:t>22-Mar-15</a:t>
             </a:fld>
             <a:endParaRPr lang="en-US"/>
           </a:p>
@@ -2113,7 +2113,7 @@
           <a:p>
             <a:fld id="{43D3CD6A-D3FE-4E1A-8BCC-EA6422867701}" type="datetimeFigureOut">
               <a:rPr lang="en-US" smtClean="0"/>
-              <a:t>21-Mar-15</a:t>
+              <a:t>22-Mar-15</a:t>
             </a:fld>
             <a:endParaRPr lang="en-US"/>
           </a:p>
@@ -2366,7 +2366,7 @@
           <a:p>
             <a:fld id="{43D3CD6A-D3FE-4E1A-8BCC-EA6422867701}" type="datetimeFigureOut">
               <a:rPr lang="en-US" smtClean="0"/>
-              <a:t>21-Mar-15</a:t>
+              <a:t>22-Mar-15</a:t>
             </a:fld>
             <a:endParaRPr lang="en-US"/>
           </a:p>
@@ -2579,7 +2579,7 @@
           <a:p>
             <a:fld id="{43D3CD6A-D3FE-4E1A-8BCC-EA6422867701}" type="datetimeFigureOut">
               <a:rPr lang="en-US" smtClean="0"/>
-              <a:t>21-Mar-15</a:t>
+              <a:t>22-Mar-15</a:t>
             </a:fld>
             <a:endParaRPr lang="en-US"/>
           </a:p>
@@ -3104,7 +3104,7 @@
             </a:br>
             <a:r>
               <a:rPr lang="en-US" dirty="0" smtClean="0"/>
-              <a:t>=</a:t>
+              <a:t>= </a:t>
             </a:r>
             <a:r>
               <a:rPr lang="en-US" dirty="0" err="1" smtClean="0"/>
@@ -3112,7 +3112,11 @@
             </a:r>
             <a:r>
               <a:rPr lang="en-US" dirty="0" smtClean="0"/>
-              <a:t> + Tracker of median</a:t>
+              <a:t> </a:t>
+            </a:r>
+            <a:r>
+              <a:rPr lang="en-US" dirty="0" smtClean="0"/>
+              <a:t>+ Tracker of median</a:t>
             </a:r>
             <a:endParaRPr lang="en-US" dirty="0"/>
           </a:p>
@@ -3316,7 +3320,7 @@
           <p:nvPr>
             <p:extLst>
               <p:ext uri="{D42A27DB-BD31-4B8C-83A1-F6EECF244321}">
-                <p14:modId xmlns:p14="http://schemas.microsoft.com/office/powerpoint/2010/main" val="1728844138"/>
+                <p14:modId xmlns:p14="http://schemas.microsoft.com/office/powerpoint/2010/main" val="1753107334"/>
               </p:ext>
             </p:extLst>
           </p:nvPr>
@@ -3641,7 +3645,7 @@
                       <a:pPr algn="ctr"/>
                       <a:r>
                         <a:rPr lang="en-US" i="1" dirty="0" smtClean="0"/>
-                        <a:t>0</a:t>
+                        <a:t>-</a:t>
                       </a:r>
                       <a:endParaRPr lang="en-US" i="1" dirty="0"/>
                     </a:p>
@@ -3654,6 +3658,132 @@
                     <a:lstStyle/>
                     <a:p>
                       <a:pPr algn="ctr"/>
+                      <a:r>
+                        <a:rPr lang="en-US" i="1" dirty="0" smtClean="0"/>
+                        <a:t>-</a:t>
+                      </a:r>
+                      <a:endParaRPr lang="en-US" i="1" dirty="0"/>
+                    </a:p>
+                  </a:txBody>
+                  <a:tcPr anchor="ctr"/>
+                </a:tc>
+                <a:tc>
+                  <a:txBody>
+                    <a:bodyPr/>
+                    <a:lstStyle/>
+                    <a:p>
+                      <a:pPr algn="ctr"/>
+                      <a:r>
+                        <a:rPr lang="en-US" i="1" dirty="0" smtClean="0"/>
+                        <a:t>1</a:t>
+                      </a:r>
+                      <a:endParaRPr lang="en-US" i="1" dirty="0"/>
+                    </a:p>
+                  </a:txBody>
+                  <a:tcPr anchor="ctr"/>
+                </a:tc>
+                <a:tc>
+                  <a:txBody>
+                    <a:bodyPr/>
+                    <a:lstStyle/>
+                    <a:p>
+                      <a:pPr algn="ctr"/>
+                      <a:r>
+                        <a:rPr lang="en-US" i="1" dirty="0" smtClean="0"/>
+                        <a:t>-</a:t>
+                      </a:r>
+                      <a:endParaRPr lang="en-US" i="1" dirty="0"/>
+                    </a:p>
+                  </a:txBody>
+                  <a:tcPr anchor="ctr"/>
+                </a:tc>
+                <a:tc>
+                  <a:txBody>
+                    <a:bodyPr/>
+                    <a:lstStyle/>
+                    <a:p>
+                      <a:pPr algn="ctr"/>
+                      <a:r>
+                        <a:rPr lang="en-US" i="1" dirty="0" smtClean="0"/>
+                        <a:t>-</a:t>
+                      </a:r>
+                      <a:endParaRPr lang="en-US" i="1" dirty="0"/>
+                    </a:p>
+                  </a:txBody>
+                  <a:tcPr anchor="ctr"/>
+                </a:tc>
+                <a:tc>
+                  <a:txBody>
+                    <a:bodyPr/>
+                    <a:lstStyle/>
+                    <a:p>
+                      <a:pPr algn="l"/>
+                      <a:r>
+                        <a:rPr lang="en-US" sz="1400" dirty="0" smtClean="0"/>
+                        <a:t>First data</a:t>
+                      </a:r>
+                      <a:r>
+                        <a:rPr lang="en-US" sz="1400" baseline="0" dirty="0" smtClean="0"/>
+                        <a:t> point, </a:t>
+                      </a:r>
+                    </a:p>
+                    <a:p>
+                      <a:pPr algn="l"/>
+                      <a:r>
+                        <a:rPr lang="en-US" sz="1400" baseline="0" dirty="0" smtClean="0"/>
+                        <a:t>current = median = new data</a:t>
+                      </a:r>
+                      <a:endParaRPr lang="en-US" sz="1400" dirty="0"/>
+                    </a:p>
+                  </a:txBody>
+                  <a:tcPr anchor="ctr"/>
+                </a:tc>
+              </a:tr>
+              <a:tr h="539044">
+                <a:tc>
+                  <a:txBody>
+                    <a:bodyPr/>
+                    <a:lstStyle/>
+                    <a:p>
+                      <a:pPr algn="ctr"/>
+                      <a:r>
+                        <a:rPr lang="en-US" dirty="0" smtClean="0"/>
+                        <a:t>2</a:t>
+                      </a:r>
+                      <a:endParaRPr lang="en-US" dirty="0"/>
+                    </a:p>
+                  </a:txBody>
+                  <a:tcPr anchor="ctr"/>
+                </a:tc>
+                <a:tc>
+                  <a:txBody>
+                    <a:bodyPr/>
+                    <a:lstStyle/>
+                    <a:p>
+                      <a:pPr algn="ctr"/>
+                      <a:r>
+                        <a:rPr lang="en-US" dirty="0" smtClean="0"/>
+                        <a:t>                       </a:t>
+                      </a:r>
+                      <a:r>
+                        <a:rPr lang="en-US" i="1" dirty="0" smtClean="0"/>
+                        <a:t>1</a:t>
+                      </a:r>
+                      <a:endParaRPr lang="en-US" i="1" dirty="0"/>
+                    </a:p>
+                  </a:txBody>
+                  <a:tcPr anchor="ctr"/>
+                </a:tc>
+                <a:tc>
+                  <a:txBody>
+                    <a:bodyPr/>
+                    <a:lstStyle/>
+                    <a:p>
+                      <a:pPr algn="ctr"/>
+                      <a:r>
+                        <a:rPr lang="en-US" dirty="0" smtClean="0"/>
+                        <a:t>     -      </a:t>
+                      </a:r>
                       <a:r>
                         <a:rPr lang="en-US" i="1" dirty="0" smtClean="0"/>
                         <a:t>0</a:t>
@@ -3670,6 +3800,10 @@
                     <a:p>
                       <a:pPr algn="ctr"/>
                       <a:r>
+                        <a:rPr lang="en-US" dirty="0" smtClean="0"/>
+                        <a:t>                      </a:t>
+                      </a:r>
+                      <a:r>
                         <a:rPr lang="en-US" i="1" dirty="0" smtClean="0"/>
                         <a:t>1</a:t>
                       </a:r>
@@ -3686,7 +3820,7 @@
                       <a:pPr algn="ctr"/>
                       <a:r>
                         <a:rPr lang="en-US" i="1" dirty="0" smtClean="0"/>
-                        <a:t>0</a:t>
+                        <a:t>-</a:t>
                       </a:r>
                       <a:endParaRPr lang="en-US" i="1" dirty="0"/>
                     </a:p>
@@ -3699,68 +3833,6 @@
                     <a:lstStyle/>
                     <a:p>
                       <a:pPr algn="ctr"/>
-                      <a:r>
-                        <a:rPr lang="en-US" i="1" dirty="0" smtClean="0"/>
-                        <a:t>0</a:t>
-                      </a:r>
-                      <a:endParaRPr lang="en-US" i="1" dirty="0"/>
-                    </a:p>
-                  </a:txBody>
-                  <a:tcPr anchor="ctr"/>
-                </a:tc>
-                <a:tc>
-                  <a:txBody>
-                    <a:bodyPr/>
-                    <a:lstStyle/>
-                    <a:p>
-                      <a:pPr algn="l"/>
-                      <a:r>
-                        <a:rPr lang="en-US" sz="1400" dirty="0" smtClean="0"/>
-                        <a:t>First data</a:t>
-                      </a:r>
-                      <a:r>
-                        <a:rPr lang="en-US" sz="1400" baseline="0" dirty="0" smtClean="0"/>
-                        <a:t> point, </a:t>
-                      </a:r>
-                    </a:p>
-                    <a:p>
-                      <a:pPr algn="l"/>
-                      <a:r>
-                        <a:rPr lang="en-US" sz="1400" baseline="0" dirty="0" smtClean="0"/>
-                        <a:t>current = median = new data</a:t>
-                      </a:r>
-                      <a:endParaRPr lang="en-US" sz="1400" dirty="0"/>
-                    </a:p>
-                  </a:txBody>
-                  <a:tcPr anchor="ctr"/>
-                </a:tc>
-              </a:tr>
-              <a:tr h="539044">
-                <a:tc>
-                  <a:txBody>
-                    <a:bodyPr/>
-                    <a:lstStyle/>
-                    <a:p>
-                      <a:pPr algn="ctr"/>
-                      <a:r>
-                        <a:rPr lang="en-US" dirty="0" smtClean="0"/>
-                        <a:t>2</a:t>
-                      </a:r>
-                      <a:endParaRPr lang="en-US" dirty="0"/>
-                    </a:p>
-                  </a:txBody>
-                  <a:tcPr anchor="ctr"/>
-                </a:tc>
-                <a:tc>
-                  <a:txBody>
-                    <a:bodyPr/>
-                    <a:lstStyle/>
-                    <a:p>
-                      <a:pPr algn="ctr"/>
-                      <a:r>
-                        <a:rPr lang="en-US" dirty="0" smtClean="0"/>
-                        <a:t>                       </a:t>
-                      </a:r>
                       <a:r>
                         <a:rPr lang="en-US" i="1" dirty="0" smtClean="0"/>
                         <a:t>1</a:t>
@@ -3777,29 +3849,6 @@
                     <a:p>
                       <a:pPr algn="ctr"/>
                       <a:r>
-                        <a:rPr lang="en-US" dirty="0" smtClean="0"/>
-                        <a:t>     -      </a:t>
-                      </a:r>
-                      <a:r>
-                        <a:rPr lang="en-US" i="1" dirty="0" smtClean="0"/>
-                        <a:t>0</a:t>
-                      </a:r>
-                      <a:endParaRPr lang="en-US" i="1" dirty="0"/>
-                    </a:p>
-                  </a:txBody>
-                  <a:tcPr anchor="ctr"/>
-                </a:tc>
-                <a:tc>
-                  <a:txBody>
-                    <a:bodyPr/>
-                    <a:lstStyle/>
-                    <a:p>
-                      <a:pPr algn="ctr"/>
-                      <a:r>
-                        <a:rPr lang="en-US" dirty="0" smtClean="0"/>
-                        <a:t>                      </a:t>
-                      </a:r>
-                      <a:r>
                         <a:rPr lang="en-US" i="1" dirty="0" smtClean="0"/>
                         <a:t>1</a:t>
                       </a:r>
@@ -3816,7 +3865,7 @@
                       <a:pPr algn="ctr"/>
                       <a:r>
                         <a:rPr lang="en-US" i="1" dirty="0" smtClean="0"/>
-                        <a:t>0</a:t>
+                        <a:t>-</a:t>
                       </a:r>
                       <a:endParaRPr lang="en-US" i="1" dirty="0"/>
                     </a:p>
@@ -3831,52 +3880,7 @@
                       <a:pPr algn="ctr"/>
                       <a:r>
                         <a:rPr lang="en-US" i="1" dirty="0" smtClean="0"/>
-                        <a:t>1</a:t>
-                      </a:r>
-                      <a:endParaRPr lang="en-US" i="1" dirty="0"/>
-                    </a:p>
-                  </a:txBody>
-                  <a:tcPr anchor="ctr"/>
-                </a:tc>
-                <a:tc>
-                  <a:txBody>
-                    <a:bodyPr/>
-                    <a:lstStyle/>
-                    <a:p>
-                      <a:pPr algn="ctr"/>
-                      <a:r>
-                        <a:rPr lang="en-US" i="1" dirty="0" smtClean="0"/>
-                        <a:t>1</a:t>
-                      </a:r>
-                      <a:endParaRPr lang="en-US" i="1" dirty="0"/>
-                    </a:p>
-                  </a:txBody>
-                  <a:tcPr anchor="ctr"/>
-                </a:tc>
-                <a:tc>
-                  <a:txBody>
-                    <a:bodyPr/>
-                    <a:lstStyle/>
-                    <a:p>
-                      <a:pPr algn="ctr"/>
-                      <a:r>
-                        <a:rPr lang="en-US" i="1" dirty="0" smtClean="0"/>
-                        <a:t>0</a:t>
-                      </a:r>
-                      <a:endParaRPr lang="en-US" i="1" dirty="0"/>
-                    </a:p>
-                  </a:txBody>
-                  <a:tcPr anchor="ctr"/>
-                </a:tc>
-                <a:tc>
-                  <a:txBody>
-                    <a:bodyPr/>
-                    <a:lstStyle/>
-                    <a:p>
-                      <a:pPr algn="ctr"/>
-                      <a:r>
-                        <a:rPr lang="en-US" i="1" dirty="0" smtClean="0"/>
-                        <a:t>0</a:t>
+                        <a:t>-</a:t>
                       </a:r>
                       <a:endParaRPr lang="en-US" i="1" dirty="0"/>
                     </a:p>
@@ -3893,7 +3897,22 @@
                         <a:rPr lang="en-US" sz="1400" baseline="0" dirty="0" smtClean="0">
                           <a:sym typeface="Wingdings" panose="05000000000000000000" pitchFamily="2" charset="2"/>
                         </a:rPr>
-                        <a:t>Rebalance heap</a:t>
+                        <a:t>New unique element,</a:t>
+                      </a:r>
+                    </a:p>
+                    <a:p>
+                      <a:pPr algn="l"/>
+                      <a:r>
+                        <a:rPr lang="en-US" sz="1400" baseline="0" dirty="0" smtClean="0">
+                          <a:sym typeface="Wingdings" panose="05000000000000000000" pitchFamily="2" charset="2"/>
+                        </a:rPr>
+                        <a:t>Rebalance </a:t>
+                      </a:r>
+                      <a:r>
+                        <a:rPr lang="en-US" sz="1400" baseline="0" dirty="0" smtClean="0">
+                          <a:sym typeface="Wingdings" panose="05000000000000000000" pitchFamily="2" charset="2"/>
+                        </a:rPr>
+                        <a:t>heap</a:t>
                       </a:r>
                       <a:endParaRPr lang="en-US" sz="1400" dirty="0"/>
                     </a:p>
@@ -3997,7 +4016,7 @@
                       <a:pPr algn="ctr"/>
                       <a:r>
                         <a:rPr lang="en-US" i="1" dirty="0" smtClean="0"/>
-                        <a:t>0</a:t>
+                        <a:t>-</a:t>
                       </a:r>
                       <a:endParaRPr lang="en-US" i="1" dirty="0"/>
                     </a:p>
@@ -4042,7 +4061,7 @@
                       <a:pPr algn="ctr"/>
                       <a:r>
                         <a:rPr lang="en-US" i="1" dirty="0" smtClean="0"/>
-                        <a:t>0</a:t>
+                        <a:t>-</a:t>
                       </a:r>
                       <a:endParaRPr lang="en-US" i="1" dirty="0"/>
                     </a:p>
@@ -4057,7 +4076,7 @@
                       <a:pPr algn="ctr"/>
                       <a:r>
                         <a:rPr lang="en-US" i="1" dirty="0" smtClean="0"/>
-                        <a:t>0</a:t>
+                        <a:t>-</a:t>
                       </a:r>
                       <a:endParaRPr lang="en-US" i="1" dirty="0"/>
                     </a:p>
@@ -4208,7 +4227,7 @@
                       <a:pPr algn="ctr"/>
                       <a:r>
                         <a:rPr lang="en-US" i="1" dirty="0" smtClean="0"/>
-                        <a:t>0</a:t>
+                        <a:t>-</a:t>
                       </a:r>
                       <a:endParaRPr lang="en-US" i="1" dirty="0"/>
                     </a:p>
@@ -4221,6 +4240,264 @@
                     <a:lstStyle/>
                     <a:p>
                       <a:pPr algn="ctr"/>
+                      <a:r>
+                        <a:rPr lang="en-US" i="1" dirty="0" smtClean="0"/>
+                        <a:t>-</a:t>
+                      </a:r>
+                      <a:endParaRPr lang="en-US" i="1" dirty="0"/>
+                    </a:p>
+                  </a:txBody>
+                  <a:tcPr anchor="ctr"/>
+                </a:tc>
+                <a:tc>
+                  <a:txBody>
+                    <a:bodyPr/>
+                    <a:lstStyle/>
+                    <a:p>
+                      <a:pPr algn="l"/>
+                      <a:r>
+                        <a:rPr lang="en-US" sz="1400" dirty="0" smtClean="0"/>
+                        <a:t>New unique</a:t>
+                      </a:r>
+                      <a:r>
+                        <a:rPr lang="en-US" sz="1400" baseline="0" dirty="0" smtClean="0"/>
+                        <a:t> element,</a:t>
+                      </a:r>
+                      <a:endParaRPr lang="en-US" sz="1400" dirty="0" smtClean="0"/>
+                    </a:p>
+                    <a:p>
+                      <a:pPr algn="l"/>
+                      <a:r>
+                        <a:rPr lang="en-US" sz="1400" dirty="0" smtClean="0"/>
+                        <a:t>New</a:t>
+                      </a:r>
+                      <a:r>
+                        <a:rPr lang="en-US" sz="1400" baseline="0" dirty="0" smtClean="0"/>
+                        <a:t> </a:t>
+                      </a:r>
+                      <a:r>
+                        <a:rPr lang="en-US" sz="1400" baseline="0" dirty="0" smtClean="0"/>
+                        <a:t>element in heap</a:t>
+                      </a:r>
+                      <a:endParaRPr lang="en-US" sz="1400" dirty="0"/>
+                    </a:p>
+                  </a:txBody>
+                  <a:tcPr anchor="ctr"/>
+                </a:tc>
+              </a:tr>
+              <a:tr h="539044">
+                <a:tc>
+                  <a:txBody>
+                    <a:bodyPr/>
+                    <a:lstStyle/>
+                    <a:p>
+                      <a:pPr algn="ctr"/>
+                      <a:r>
+                        <a:rPr lang="en-US" dirty="0" smtClean="0"/>
+                        <a:t>3</a:t>
+                      </a:r>
+                      <a:endParaRPr lang="en-US" dirty="0"/>
+                    </a:p>
+                  </a:txBody>
+                  <a:tcPr anchor="ctr"/>
+                </a:tc>
+                <a:tc>
+                  <a:txBody>
+                    <a:bodyPr/>
+                    <a:lstStyle/>
+                    <a:p>
+                      <a:pPr algn="ctr"/>
+                      <a:r>
+                        <a:rPr lang="en-US" dirty="0" smtClean="0"/>
+                        <a:t>                       </a:t>
+                      </a:r>
+                      <a:r>
+                        <a:rPr lang="en-US" i="1" dirty="0" smtClean="0"/>
+                        <a:t>1</a:t>
+                      </a:r>
+                      <a:endParaRPr lang="en-US" i="1" dirty="0"/>
+                    </a:p>
+                  </a:txBody>
+                  <a:tcPr anchor="ctr"/>
+                </a:tc>
+                <a:tc>
+                  <a:txBody>
+                    <a:bodyPr/>
+                    <a:lstStyle/>
+                    <a:p>
+                      <a:pPr algn="ctr"/>
+                      <a:r>
+                        <a:rPr lang="en-US" dirty="0" smtClean="0"/>
+                        <a:t>            </a:t>
+                      </a:r>
+                      <a:r>
+                        <a:rPr lang="en-US" i="1" dirty="0" smtClean="0"/>
+                        <a:t>2</a:t>
+                      </a:r>
+                      <a:endParaRPr lang="en-US" i="1" dirty="0"/>
+                    </a:p>
+                  </a:txBody>
+                  <a:tcPr anchor="ctr"/>
+                </a:tc>
+                <a:tc>
+                  <a:txBody>
+                    <a:bodyPr/>
+                    <a:lstStyle/>
+                    <a:p>
+                      <a:pPr algn="ctr"/>
+                      <a:r>
+                        <a:rPr lang="en-US" dirty="0" smtClean="0"/>
+                        <a:t>                     </a:t>
+                      </a:r>
+                      <a:r>
+                        <a:rPr lang="en-US" i="1" dirty="0" smtClean="0"/>
+                        <a:t>2</a:t>
+                      </a:r>
+                      <a:endParaRPr lang="en-US" i="1" dirty="0"/>
+                    </a:p>
+                  </a:txBody>
+                  <a:tcPr anchor="ctr"/>
+                </a:tc>
+                <a:tc>
+                  <a:txBody>
+                    <a:bodyPr/>
+                    <a:lstStyle/>
+                    <a:p>
+                      <a:pPr algn="ctr"/>
+                      <a:r>
+                        <a:rPr lang="en-US" i="1" dirty="0" smtClean="0"/>
+                        <a:t>1</a:t>
+                      </a:r>
+                      <a:endParaRPr lang="en-US" i="1" dirty="0"/>
+                    </a:p>
+                  </a:txBody>
+                  <a:tcPr anchor="ctr"/>
+                </a:tc>
+                <a:tc>
+                  <a:txBody>
+                    <a:bodyPr/>
+                    <a:lstStyle/>
+                    <a:p>
+                      <a:pPr algn="ctr"/>
+                      <a:r>
+                        <a:rPr lang="en-US" i="1" dirty="0" smtClean="0"/>
+                        <a:t>2</a:t>
+                      </a:r>
+                      <a:endParaRPr lang="en-US" i="1" dirty="0"/>
+                    </a:p>
+                  </a:txBody>
+                  <a:tcPr anchor="ctr"/>
+                </a:tc>
+                <a:tc>
+                  <a:txBody>
+                    <a:bodyPr/>
+                    <a:lstStyle/>
+                    <a:p>
+                      <a:pPr algn="ctr"/>
+                      <a:r>
+                        <a:rPr lang="en-US" i="1" dirty="0" smtClean="0"/>
+                        <a:t>2</a:t>
+                      </a:r>
+                      <a:endParaRPr lang="en-US" i="1" dirty="0"/>
+                    </a:p>
+                  </a:txBody>
+                  <a:tcPr anchor="ctr"/>
+                </a:tc>
+                <a:tc>
+                  <a:txBody>
+                    <a:bodyPr/>
+                    <a:lstStyle/>
+                    <a:p>
+                      <a:pPr algn="ctr"/>
+                      <a:r>
+                        <a:rPr lang="en-US" i="1" dirty="0" smtClean="0"/>
+                        <a:t>-</a:t>
+                      </a:r>
+                      <a:endParaRPr lang="en-US" i="1" dirty="0"/>
+                    </a:p>
+                  </a:txBody>
+                  <a:tcPr anchor="ctr"/>
+                </a:tc>
+                <a:tc>
+                  <a:txBody>
+                    <a:bodyPr/>
+                    <a:lstStyle/>
+                    <a:p>
+                      <a:pPr algn="ctr"/>
+                      <a:r>
+                        <a:rPr lang="en-US" i="1" dirty="0" smtClean="0"/>
+                        <a:t>-</a:t>
+                      </a:r>
+                      <a:endParaRPr lang="en-US" i="1" dirty="0"/>
+                    </a:p>
+                  </a:txBody>
+                  <a:tcPr anchor="ctr"/>
+                </a:tc>
+                <a:tc>
+                  <a:txBody>
+                    <a:bodyPr/>
+                    <a:lstStyle/>
+                    <a:p>
+                      <a:pPr algn="l"/>
+                      <a:r>
+                        <a:rPr lang="en-US" sz="1400" dirty="0" smtClean="0"/>
+                        <a:t>--</a:t>
+                      </a:r>
+                      <a:r>
+                        <a:rPr lang="en-US" sz="1400" baseline="0" dirty="0" smtClean="0"/>
+                        <a:t> </a:t>
+                      </a:r>
+                      <a:endParaRPr lang="en-US" sz="1400" dirty="0"/>
+                    </a:p>
+                  </a:txBody>
+                  <a:tcPr anchor="ctr"/>
+                </a:tc>
+              </a:tr>
+              <a:tr h="539044">
+                <a:tc>
+                  <a:txBody>
+                    <a:bodyPr/>
+                    <a:lstStyle/>
+                    <a:p>
+                      <a:pPr algn="ctr"/>
+                      <a:r>
+                        <a:rPr lang="en-US" dirty="0" smtClean="0"/>
+                        <a:t>5</a:t>
+                      </a:r>
+                      <a:endParaRPr lang="en-US" dirty="0"/>
+                    </a:p>
+                  </a:txBody>
+                  <a:tcPr anchor="ctr"/>
+                </a:tc>
+                <a:tc>
+                  <a:txBody>
+                    <a:bodyPr/>
+                    <a:lstStyle/>
+                    <a:p>
+                      <a:pPr algn="ctr"/>
+                      <a:r>
+                        <a:rPr lang="en-US" dirty="0" smtClean="0"/>
+                        <a:t>                      </a:t>
+                      </a:r>
+                      <a:r>
+                        <a:rPr lang="en-US" i="1" dirty="0" smtClean="0"/>
+                        <a:t>3</a:t>
+                      </a:r>
+                      <a:endParaRPr lang="en-US" i="1" dirty="0"/>
+                    </a:p>
+                  </a:txBody>
+                  <a:tcPr anchor="ctr"/>
+                </a:tc>
+                <a:tc>
+                  <a:txBody>
+                    <a:bodyPr/>
+                    <a:lstStyle/>
+                    <a:p>
+                      <a:pPr algn="ctr"/>
+                      <a:r>
+                        <a:rPr lang="en-US" dirty="0" smtClean="0"/>
+                        <a:t>      -     </a:t>
+                      </a:r>
                       <a:r>
                         <a:rPr lang="en-US" i="1" dirty="0" smtClean="0"/>
                         <a:t>0</a:t>
@@ -4235,14 +4512,108 @@
                     <a:bodyPr/>
                     <a:lstStyle/>
                     <a:p>
+                      <a:pPr algn="ctr"/>
+                      <a:r>
+                        <a:rPr lang="en-US" dirty="0" smtClean="0"/>
+                        <a:t>                    </a:t>
+                      </a:r>
+                      <a:r>
+                        <a:rPr lang="en-US" i="1" dirty="0" smtClean="0"/>
+                        <a:t>3</a:t>
+                      </a:r>
+                      <a:endParaRPr lang="en-US" i="1" dirty="0"/>
+                    </a:p>
+                  </a:txBody>
+                  <a:tcPr anchor="ctr"/>
+                </a:tc>
+                <a:tc>
+                  <a:txBody>
+                    <a:bodyPr/>
+                    <a:lstStyle/>
+                    <a:p>
+                      <a:pPr algn="ctr"/>
+                      <a:r>
+                        <a:rPr lang="en-US" i="1" dirty="0" smtClean="0"/>
+                        <a:t>1</a:t>
+                      </a:r>
+                      <a:endParaRPr lang="en-US" i="1" dirty="0"/>
+                    </a:p>
+                  </a:txBody>
+                  <a:tcPr anchor="ctr"/>
+                </a:tc>
+                <a:tc>
+                  <a:txBody>
+                    <a:bodyPr/>
+                    <a:lstStyle/>
+                    <a:p>
+                      <a:pPr algn="ctr"/>
+                      <a:r>
+                        <a:rPr lang="en-US" i="1" dirty="0" smtClean="0"/>
+                        <a:t>2</a:t>
+                      </a:r>
+                      <a:endParaRPr lang="en-US" i="1" dirty="0"/>
+                    </a:p>
+                  </a:txBody>
+                  <a:tcPr anchor="ctr"/>
+                </a:tc>
+                <a:tc>
+                  <a:txBody>
+                    <a:bodyPr/>
+                    <a:lstStyle/>
+                    <a:p>
+                      <a:pPr algn="ctr"/>
+                      <a:r>
+                        <a:rPr lang="en-US" i="1" dirty="0" smtClean="0"/>
+                        <a:t>2</a:t>
+                      </a:r>
+                      <a:endParaRPr lang="en-US" i="1" dirty="0"/>
+                    </a:p>
+                  </a:txBody>
+                  <a:tcPr anchor="ctr"/>
+                </a:tc>
+                <a:tc>
+                  <a:txBody>
+                    <a:bodyPr/>
+                    <a:lstStyle/>
+                    <a:p>
+                      <a:pPr algn="ctr"/>
+                      <a:r>
+                        <a:rPr lang="en-US" i="1" dirty="0" smtClean="0"/>
+                        <a:t>-</a:t>
+                      </a:r>
+                      <a:endParaRPr lang="en-US" i="1" dirty="0"/>
+                    </a:p>
+                  </a:txBody>
+                  <a:tcPr anchor="ctr"/>
+                </a:tc>
+                <a:tc>
+                  <a:txBody>
+                    <a:bodyPr/>
+                    <a:lstStyle/>
+                    <a:p>
+                      <a:pPr algn="ctr"/>
+                      <a:r>
+                        <a:rPr lang="en-US" i="1" dirty="0" smtClean="0"/>
+                        <a:t>1</a:t>
+                      </a:r>
+                      <a:endParaRPr lang="en-US" i="1" dirty="0"/>
+                    </a:p>
+                  </a:txBody>
+                  <a:tcPr anchor="ctr"/>
+                </a:tc>
+                <a:tc>
+                  <a:txBody>
+                    <a:bodyPr/>
+                    <a:lstStyle/>
+                    <a:p>
                       <a:pPr algn="l"/>
                       <a:r>
                         <a:rPr lang="en-US" sz="1400" dirty="0" smtClean="0"/>
-                        <a:t>New</a:t>
-                      </a:r>
-                      <a:r>
-                        <a:rPr lang="en-US" sz="1400" baseline="0" dirty="0" smtClean="0"/>
-                        <a:t> element in heap</a:t>
+                        <a:t>Rebalance </a:t>
+                      </a:r>
+                      <a:r>
+                        <a:rPr lang="en-US" sz="1400" dirty="0" smtClean="0"/>
+                        <a:t>heap</a:t>
                       </a:r>
                       <a:endParaRPr lang="en-US" sz="1400" dirty="0"/>
                     </a:p>
@@ -4259,9 +4630,28 @@
                       <a:pPr algn="ctr"/>
                       <a:r>
                         <a:rPr lang="en-US" dirty="0" smtClean="0"/>
+                        <a:t>5</a:t>
+                      </a:r>
+                      <a:endParaRPr lang="en-US" dirty="0"/>
+                    </a:p>
+                  </a:txBody>
+                  <a:tcPr anchor="ctr"/>
+                </a:tc>
+                <a:tc>
+                  <a:txBody>
+                    <a:bodyPr/>
+                    <a:lstStyle/>
+                    <a:p>
+                      <a:pPr algn="ctr"/>
+                      <a:r>
+                        <a:rPr lang="en-US" dirty="0" smtClean="0"/>
+                        <a:t>                     </a:t>
+                      </a:r>
+                      <a:r>
+                        <a:rPr lang="en-US" i="1" dirty="0" smtClean="0"/>
                         <a:t>3</a:t>
                       </a:r>
-                      <a:endParaRPr lang="en-US" dirty="0"/>
+                      <a:endParaRPr lang="en-US" i="1" dirty="0"/>
                     </a:p>
                   </a:txBody>
                   <a:tcPr anchor="ctr"/>
@@ -4274,8 +4664,42 @@
                       <a:pPr algn="ctr"/>
                       <a:r>
                         <a:rPr lang="en-US" dirty="0" smtClean="0"/>
-                        <a:t>                       </a:t>
-                      </a:r>
+                        <a:t>            </a:t>
+                      </a:r>
+                      <a:r>
+                        <a:rPr lang="en-US" i="1" dirty="0" smtClean="0"/>
+                        <a:t>2</a:t>
+                      </a:r>
+                      <a:endParaRPr lang="en-US" i="1" dirty="0"/>
+                    </a:p>
+                  </a:txBody>
+                  <a:tcPr anchor="ctr"/>
+                </a:tc>
+                <a:tc>
+                  <a:txBody>
+                    <a:bodyPr/>
+                    <a:lstStyle/>
+                    <a:p>
+                      <a:pPr algn="ctr"/>
+                      <a:r>
+                        <a:rPr lang="en-US" dirty="0" smtClean="0"/>
+                        <a:t>                   </a:t>
+                      </a:r>
+                      <a:r>
+                        <a:rPr lang="en-US" i="1" dirty="0" smtClean="0"/>
+                        <a:t> 2</a:t>
+                      </a:r>
+                      <a:endParaRPr lang="en-US" i="1" dirty="0"/>
+                    </a:p>
+                  </a:txBody>
+                  <a:tcPr anchor="ctr"/>
+                </a:tc>
+                <a:tc>
+                  <a:txBody>
+                    <a:bodyPr/>
+                    <a:lstStyle/>
+                    <a:p>
+                      <a:pPr algn="ctr"/>
                       <a:r>
                         <a:rPr lang="en-US" i="1" dirty="0" smtClean="0"/>
                         <a:t>1</a:t>
@@ -4292,10 +4716,6 @@
                     <a:p>
                       <a:pPr algn="ctr"/>
                       <a:r>
-                        <a:rPr lang="en-US" dirty="0" smtClean="0"/>
-                        <a:t>            </a:t>
-                      </a:r>
-                      <a:r>
                         <a:rPr lang="en-US" i="1" dirty="0" smtClean="0"/>
                         <a:t>2</a:t>
                       </a:r>
@@ -4311,10 +4731,6 @@
                     <a:p>
                       <a:pPr algn="ctr"/>
                       <a:r>
-                        <a:rPr lang="en-US" dirty="0" smtClean="0"/>
-                        <a:t>                     </a:t>
-                      </a:r>
-                      <a:r>
                         <a:rPr lang="en-US" i="1" dirty="0" smtClean="0"/>
                         <a:t>2</a:t>
                       </a:r>
@@ -4331,7 +4747,7 @@
                       <a:pPr algn="ctr"/>
                       <a:r>
                         <a:rPr lang="en-US" i="1" dirty="0" smtClean="0"/>
-                        <a:t>1</a:t>
+                        <a:t>-</a:t>
                       </a:r>
                       <a:endParaRPr lang="en-US" i="1" dirty="0"/>
                     </a:p>
@@ -4358,394 +4774,14 @@
                     <a:bodyPr/>
                     <a:lstStyle/>
                     <a:p>
-                      <a:pPr algn="ctr"/>
-                      <a:r>
-                        <a:rPr lang="en-US" i="1" dirty="0" smtClean="0"/>
-                        <a:t>2</a:t>
-                      </a:r>
-                      <a:endParaRPr lang="en-US" i="1" dirty="0"/>
-                    </a:p>
-                  </a:txBody>
-                  <a:tcPr anchor="ctr"/>
-                </a:tc>
-                <a:tc>
-                  <a:txBody>
-                    <a:bodyPr/>
-                    <a:lstStyle/>
-                    <a:p>
-                      <a:pPr algn="ctr"/>
-                      <a:r>
-                        <a:rPr lang="en-US" i="1" dirty="0" smtClean="0"/>
-                        <a:t>0</a:t>
-                      </a:r>
-                      <a:endParaRPr lang="en-US" i="1" dirty="0"/>
-                    </a:p>
-                  </a:txBody>
-                  <a:tcPr anchor="ctr"/>
-                </a:tc>
-                <a:tc>
-                  <a:txBody>
-                    <a:bodyPr/>
-                    <a:lstStyle/>
-                    <a:p>
-                      <a:pPr algn="ctr"/>
-                      <a:r>
-                        <a:rPr lang="en-US" i="1" dirty="0" smtClean="0"/>
-                        <a:t>0</a:t>
-                      </a:r>
-                      <a:endParaRPr lang="en-US" i="1" dirty="0"/>
-                    </a:p>
-                  </a:txBody>
-                  <a:tcPr anchor="ctr"/>
-                </a:tc>
-                <a:tc>
-                  <a:txBody>
-                    <a:bodyPr/>
-                    <a:lstStyle/>
-                    <a:p>
                       <a:pPr algn="l"/>
                       <a:r>
                         <a:rPr lang="en-US" sz="1400" dirty="0" smtClean="0"/>
-                        <a:t>--</a:t>
-                      </a:r>
-                      <a:r>
-                        <a:rPr lang="en-US" sz="1400" baseline="0" dirty="0" smtClean="0"/>
-                        <a:t> </a:t>
-                      </a:r>
-                      <a:endParaRPr lang="en-US" sz="1400" dirty="0"/>
-                    </a:p>
-                  </a:txBody>
-                  <a:tcPr anchor="ctr"/>
-                </a:tc>
-              </a:tr>
-              <a:tr h="539044">
-                <a:tc>
-                  <a:txBody>
-                    <a:bodyPr/>
-                    <a:lstStyle/>
-                    <a:p>
-                      <a:pPr algn="ctr"/>
-                      <a:r>
-                        <a:rPr lang="en-US" dirty="0" smtClean="0"/>
-                        <a:t>5</a:t>
-                      </a:r>
-                      <a:endParaRPr lang="en-US" dirty="0"/>
-                    </a:p>
-                  </a:txBody>
-                  <a:tcPr anchor="ctr"/>
-                </a:tc>
-                <a:tc>
-                  <a:txBody>
-                    <a:bodyPr/>
-                    <a:lstStyle/>
-                    <a:p>
-                      <a:pPr algn="ctr"/>
-                      <a:r>
-                        <a:rPr lang="en-US" dirty="0" smtClean="0"/>
-                        <a:t>                      </a:t>
-                      </a:r>
-                      <a:r>
-                        <a:rPr lang="en-US" i="1" dirty="0" smtClean="0"/>
-                        <a:t>3</a:t>
-                      </a:r>
-                      <a:endParaRPr lang="en-US" i="1" dirty="0"/>
-                    </a:p>
-                  </a:txBody>
-                  <a:tcPr anchor="ctr"/>
-                </a:tc>
-                <a:tc>
-                  <a:txBody>
-                    <a:bodyPr/>
-                    <a:lstStyle/>
-                    <a:p>
-                      <a:pPr algn="ctr"/>
-                      <a:r>
-                        <a:rPr lang="en-US" dirty="0" smtClean="0"/>
-                        <a:t>      -     </a:t>
-                      </a:r>
-                      <a:r>
-                        <a:rPr lang="en-US" i="1" dirty="0" smtClean="0"/>
-                        <a:t>0</a:t>
-                      </a:r>
-                      <a:endParaRPr lang="en-US" i="1" dirty="0"/>
-                    </a:p>
-                  </a:txBody>
-                  <a:tcPr anchor="ctr"/>
-                </a:tc>
-                <a:tc>
-                  <a:txBody>
-                    <a:bodyPr/>
-                    <a:lstStyle/>
-                    <a:p>
-                      <a:pPr algn="ctr"/>
-                      <a:r>
-                        <a:rPr lang="en-US" dirty="0" smtClean="0"/>
-                        <a:t>                    </a:t>
-                      </a:r>
-                      <a:r>
-                        <a:rPr lang="en-US" i="1" dirty="0" smtClean="0"/>
-                        <a:t>3</a:t>
-                      </a:r>
-                      <a:endParaRPr lang="en-US" i="1" dirty="0"/>
-                    </a:p>
-                  </a:txBody>
-                  <a:tcPr anchor="ctr"/>
-                </a:tc>
-                <a:tc>
-                  <a:txBody>
-                    <a:bodyPr/>
-                    <a:lstStyle/>
-                    <a:p>
-                      <a:pPr algn="ctr"/>
-                      <a:r>
-                        <a:rPr lang="en-US" i="1" dirty="0" smtClean="0"/>
-                        <a:t>1</a:t>
-                      </a:r>
-                      <a:endParaRPr lang="en-US" i="1" dirty="0"/>
-                    </a:p>
-                  </a:txBody>
-                  <a:tcPr anchor="ctr"/>
-                </a:tc>
-                <a:tc>
-                  <a:txBody>
-                    <a:bodyPr/>
-                    <a:lstStyle/>
-                    <a:p>
-                      <a:pPr algn="ctr"/>
-                      <a:r>
-                        <a:rPr lang="en-US" i="1" dirty="0" smtClean="0"/>
-                        <a:t>2</a:t>
-                      </a:r>
-                      <a:endParaRPr lang="en-US" i="1" dirty="0"/>
-                    </a:p>
-                  </a:txBody>
-                  <a:tcPr anchor="ctr"/>
-                </a:tc>
-                <a:tc>
-                  <a:txBody>
-                    <a:bodyPr/>
-                    <a:lstStyle/>
-                    <a:p>
-                      <a:pPr algn="ctr"/>
-                      <a:r>
-                        <a:rPr lang="en-US" i="1" dirty="0" smtClean="0"/>
-                        <a:t>2</a:t>
-                      </a:r>
-                      <a:endParaRPr lang="en-US" i="1" dirty="0"/>
-                    </a:p>
-                  </a:txBody>
-                  <a:tcPr anchor="ctr"/>
-                </a:tc>
-                <a:tc>
-                  <a:txBody>
-                    <a:bodyPr/>
-                    <a:lstStyle/>
-                    <a:p>
-                      <a:pPr algn="ctr"/>
-                      <a:r>
-                        <a:rPr lang="en-US" i="1" dirty="0" smtClean="0"/>
-                        <a:t>0</a:t>
-                      </a:r>
-                      <a:endParaRPr lang="en-US" i="1" dirty="0"/>
-                    </a:p>
-                  </a:txBody>
-                  <a:tcPr anchor="ctr"/>
-                </a:tc>
-                <a:tc>
-                  <a:txBody>
-                    <a:bodyPr/>
-                    <a:lstStyle/>
-                    <a:p>
-                      <a:pPr algn="ctr"/>
-                      <a:r>
-                        <a:rPr lang="en-US" i="1" dirty="0" smtClean="0"/>
-                        <a:t>1</a:t>
-                      </a:r>
-                      <a:endParaRPr lang="en-US" i="1" dirty="0"/>
-                    </a:p>
-                  </a:txBody>
-                  <a:tcPr anchor="ctr"/>
-                </a:tc>
-                <a:tc>
-                  <a:txBody>
-                    <a:bodyPr/>
-                    <a:lstStyle/>
-                    <a:p>
-                      <a:pPr algn="l"/>
+                        <a:t>Rebalance </a:t>
+                      </a:r>
                       <a:r>
                         <a:rPr lang="en-US" sz="1400" dirty="0" smtClean="0"/>
-                        <a:t>New unique element</a:t>
-                      </a:r>
-                    </a:p>
-                    <a:p>
-                      <a:pPr algn="l"/>
-                      <a:r>
-                        <a:rPr lang="en-US" sz="1400" dirty="0" smtClean="0"/>
-                        <a:t>Rebalance heap</a:t>
-                      </a:r>
-                      <a:endParaRPr lang="en-US" sz="1400" dirty="0"/>
-                    </a:p>
-                  </a:txBody>
-                  <a:tcPr anchor="ctr"/>
-                </a:tc>
-              </a:tr>
-              <a:tr h="539044">
-                <a:tc>
-                  <a:txBody>
-                    <a:bodyPr/>
-                    <a:lstStyle/>
-                    <a:p>
-                      <a:pPr algn="ctr"/>
-                      <a:r>
-                        <a:rPr lang="en-US" dirty="0" smtClean="0"/>
-                        <a:t>5</a:t>
-                      </a:r>
-                      <a:endParaRPr lang="en-US" dirty="0"/>
-                    </a:p>
-                  </a:txBody>
-                  <a:tcPr anchor="ctr"/>
-                </a:tc>
-                <a:tc>
-                  <a:txBody>
-                    <a:bodyPr/>
-                    <a:lstStyle/>
-                    <a:p>
-                      <a:pPr algn="ctr"/>
-                      <a:r>
-                        <a:rPr lang="en-US" dirty="0" smtClean="0"/>
-                        <a:t>                     </a:t>
-                      </a:r>
-                      <a:r>
-                        <a:rPr lang="en-US" i="1" dirty="0" smtClean="0"/>
-                        <a:t>3</a:t>
-                      </a:r>
-                      <a:endParaRPr lang="en-US" i="1" dirty="0"/>
-                    </a:p>
-                  </a:txBody>
-                  <a:tcPr anchor="ctr"/>
-                </a:tc>
-                <a:tc>
-                  <a:txBody>
-                    <a:bodyPr/>
-                    <a:lstStyle/>
-                    <a:p>
-                      <a:pPr algn="ctr"/>
-                      <a:r>
-                        <a:rPr lang="en-US" dirty="0" smtClean="0"/>
-                        <a:t>            </a:t>
-                      </a:r>
-                      <a:r>
-                        <a:rPr lang="en-US" i="1" dirty="0" smtClean="0"/>
-                        <a:t>2</a:t>
-                      </a:r>
-                      <a:endParaRPr lang="en-US" i="1" dirty="0"/>
-                    </a:p>
-                  </a:txBody>
-                  <a:tcPr anchor="ctr"/>
-                </a:tc>
-                <a:tc>
-                  <a:txBody>
-                    <a:bodyPr/>
-                    <a:lstStyle/>
-                    <a:p>
-                      <a:pPr algn="ctr"/>
-                      <a:r>
-                        <a:rPr lang="en-US" dirty="0" smtClean="0"/>
-                        <a:t>                   </a:t>
-                      </a:r>
-                      <a:r>
-                        <a:rPr lang="en-US" i="1" dirty="0" smtClean="0"/>
-                        <a:t> 2</a:t>
-                      </a:r>
-                      <a:endParaRPr lang="en-US" i="1" dirty="0"/>
-                    </a:p>
-                  </a:txBody>
-                  <a:tcPr anchor="ctr"/>
-                </a:tc>
-                <a:tc>
-                  <a:txBody>
-                    <a:bodyPr/>
-                    <a:lstStyle/>
-                    <a:p>
-                      <a:pPr algn="ctr"/>
-                      <a:r>
-                        <a:rPr lang="en-US" i="1" dirty="0" smtClean="0"/>
-                        <a:t>1</a:t>
-                      </a:r>
-                      <a:endParaRPr lang="en-US" i="1" dirty="0"/>
-                    </a:p>
-                  </a:txBody>
-                  <a:tcPr anchor="ctr"/>
-                </a:tc>
-                <a:tc>
-                  <a:txBody>
-                    <a:bodyPr/>
-                    <a:lstStyle/>
-                    <a:p>
-                      <a:pPr algn="ctr"/>
-                      <a:r>
-                        <a:rPr lang="en-US" i="1" dirty="0" smtClean="0"/>
-                        <a:t>2</a:t>
-                      </a:r>
-                      <a:endParaRPr lang="en-US" i="1" dirty="0"/>
-                    </a:p>
-                  </a:txBody>
-                  <a:tcPr anchor="ctr"/>
-                </a:tc>
-                <a:tc>
-                  <a:txBody>
-                    <a:bodyPr/>
-                    <a:lstStyle/>
-                    <a:p>
-                      <a:pPr algn="ctr"/>
-                      <a:r>
-                        <a:rPr lang="en-US" i="1" dirty="0" smtClean="0"/>
-                        <a:t>2</a:t>
-                      </a:r>
-                      <a:endParaRPr lang="en-US" i="1" dirty="0"/>
-                    </a:p>
-                  </a:txBody>
-                  <a:tcPr anchor="ctr"/>
-                </a:tc>
-                <a:tc>
-                  <a:txBody>
-                    <a:bodyPr/>
-                    <a:lstStyle/>
-                    <a:p>
-                      <a:pPr algn="ctr"/>
-                      <a:r>
-                        <a:rPr lang="en-US" i="1" dirty="0" smtClean="0"/>
-                        <a:t>0</a:t>
-                      </a:r>
-                      <a:endParaRPr lang="en-US" i="1" dirty="0"/>
-                    </a:p>
-                  </a:txBody>
-                  <a:tcPr anchor="ctr"/>
-                </a:tc>
-                <a:tc>
-                  <a:txBody>
-                    <a:bodyPr/>
-                    <a:lstStyle/>
-                    <a:p>
-                      <a:pPr algn="ctr"/>
-                      <a:r>
-                        <a:rPr lang="en-US" i="1" dirty="0" smtClean="0"/>
-                        <a:t>2</a:t>
-                      </a:r>
-                      <a:endParaRPr lang="en-US" i="1" dirty="0"/>
-                    </a:p>
-                  </a:txBody>
-                  <a:tcPr anchor="ctr"/>
-                </a:tc>
-                <a:tc>
-                  <a:txBody>
-                    <a:bodyPr/>
-                    <a:lstStyle/>
-                    <a:p>
-                      <a:pPr algn="l"/>
-                      <a:r>
-                        <a:rPr lang="en-US" sz="1400" dirty="0" smtClean="0"/>
-                        <a:t>Rebalance heap</a:t>
+                        <a:t>heap</a:t>
                       </a:r>
                       <a:endParaRPr lang="en-US" sz="1400" dirty="0"/>
                     </a:p>
@@ -6896,10 +6932,16 @@
               <a:buChar char="è"/>
             </a:pPr>
             <a:r>
+              <a:rPr lang="en-US" b="1" dirty="0" smtClean="0">
+                <a:sym typeface="Wingdings" panose="05000000000000000000" pitchFamily="2" charset="2"/>
+              </a:rPr>
+              <a:t>Implement and tested simple solution</a:t>
+            </a:r>
+            <a:r>
               <a:rPr lang="en-US" dirty="0" smtClean="0">
                 <a:sym typeface="Wingdings" panose="05000000000000000000" pitchFamily="2" charset="2"/>
               </a:rPr>
-              <a:t>Implement and tested simple solution to get something running where results can be trusted</a:t>
+              <a:t> to get something running where results can be trusted</a:t>
             </a:r>
           </a:p>
           <a:p>
@@ -6911,29 +6953,8 @@
               <a:rPr lang="en-US" dirty="0" smtClean="0">
                 <a:sym typeface="Wingdings" panose="05000000000000000000" pitchFamily="2" charset="2"/>
               </a:rPr>
-              <a:t>Generated results </a:t>
-            </a:r>
-            <a:r>
-              <a:rPr lang="en-US" dirty="0" smtClean="0">
-                <a:sym typeface="Wingdings" panose="05000000000000000000" pitchFamily="2" charset="2"/>
-              </a:rPr>
-              <a:t>for </a:t>
-            </a:r>
-            <a:r>
-              <a:rPr lang="en-US" dirty="0" smtClean="0">
-                <a:sym typeface="Wingdings" panose="05000000000000000000" pitchFamily="2" charset="2"/>
-              </a:rPr>
-              <a:t>large case </a:t>
-            </a:r>
-            <a:r>
-              <a:rPr lang="en-US" dirty="0" smtClean="0">
-                <a:sym typeface="Wingdings" panose="05000000000000000000" pitchFamily="2" charset="2"/>
-              </a:rPr>
-              <a:t>with simple method</a:t>
-            </a:r>
-            <a:endParaRPr lang="en-US" dirty="0" smtClean="0">
-              <a:sym typeface="Wingdings" panose="05000000000000000000" pitchFamily="2" charset="2"/>
-            </a:endParaRPr>
+              <a:t>Generated results for large case with simple method</a:t>
+            </a:r>
           </a:p>
           <a:p>
             <a:pPr marL="685800" indent="-285750">
@@ -6941,18 +6962,18 @@
               <a:buChar char="è"/>
             </a:pPr>
             <a:r>
-              <a:rPr lang="en-US" dirty="0" smtClean="0">
+              <a:rPr lang="en-US" b="1" dirty="0" smtClean="0">
                 <a:sym typeface="Wingdings" panose="05000000000000000000" pitchFamily="2" charset="2"/>
               </a:rPr>
               <a:t>Implemented and tested </a:t>
             </a:r>
             <a:r>
-              <a:rPr lang="en-US" dirty="0" err="1" smtClean="0">
+              <a:rPr lang="en-US" b="1" dirty="0" err="1" smtClean="0">
                 <a:sym typeface="Wingdings" panose="05000000000000000000" pitchFamily="2" charset="2"/>
               </a:rPr>
               <a:t>HashTracker</a:t>
             </a:r>
-            <a:endParaRPr lang="en-US" dirty="0" smtClean="0">
+            <a:endParaRPr lang="en-US" b="1" dirty="0" smtClean="0">
               <a:sym typeface="Wingdings" panose="05000000000000000000" pitchFamily="2" charset="2"/>
             </a:endParaRPr>
           </a:p>
@@ -7145,7 +7166,7 @@
         <p:spPr>
           <a:xfrm>
             <a:off x="838200" y="1825625"/>
-            <a:ext cx="10515600" cy="4679950"/>
+            <a:ext cx="11099800" cy="4679950"/>
           </a:xfrm>
         </p:spPr>
         <p:txBody>
@@ -7422,20 +7443,36 @@
               <a:t>Rebalance heaps </a:t>
             </a:r>
             <a:r>
+              <a:rPr lang="en-US" dirty="0" smtClean="0"/>
+              <a:t>and </a:t>
+            </a:r>
+            <a:r>
               <a:rPr lang="en-US" dirty="0" err="1" smtClean="0"/>
-              <a:t>B._current</a:t>
-            </a:r>
-            <a:r>
-              <a:rPr lang="en-US" dirty="0" smtClean="0"/>
-              <a:t> if </a:t>
+              <a:t>B</a:t>
             </a:r>
             <a:r>
               <a:rPr lang="en-US" dirty="0" err="1" smtClean="0"/>
-              <a:t>B._upper</a:t>
-            </a:r>
-            <a:r>
-              <a:rPr lang="en-US" dirty="0" smtClean="0"/>
-              <a:t> &gt;= </a:t>
+              <a:t>._current</a:t>
+            </a:r>
+            <a:r>
+              <a:rPr lang="en-US" dirty="0" smtClean="0"/>
+              <a:t> if B</a:t>
+            </a:r>
+            <a:r>
+              <a:rPr lang="en-US" dirty="0" smtClean="0"/>
+              <a:t>._</a:t>
+            </a:r>
+            <a:r>
+              <a:rPr lang="en-US" dirty="0" err="1" smtClean="0"/>
+              <a:t>nupper</a:t>
+            </a:r>
+            <a:r>
+              <a:rPr lang="en-US" dirty="0" smtClean="0"/>
+              <a:t> </a:t>
+            </a:r>
+            <a:r>
+              <a:rPr lang="en-US" dirty="0" smtClean="0"/>
+              <a:t>&gt;= </a:t>
             </a:r>
             <a:r>
               <a:rPr lang="en-US" dirty="0" err="1" smtClean="0"/>
@@ -7519,21 +7556,45 @@
             <a:pPr lvl="2"/>
             <a:r>
               <a:rPr lang="en-US" dirty="0" smtClean="0"/>
-              <a:t>Repeat for all elements in upper heap of A</a:t>
+              <a:t>Repeat for all elements in </a:t>
+            </a:r>
+            <a:r>
+              <a:rPr lang="en-US" dirty="0" smtClean="0"/>
+              <a:t>`upper` </a:t>
+            </a:r>
+            <a:r>
+              <a:rPr lang="en-US" dirty="0" smtClean="0"/>
+              <a:t>heap of A</a:t>
             </a:r>
           </a:p>
           <a:p>
             <a:pPr lvl="2"/>
             <a:r>
               <a:rPr lang="en-US" dirty="0" smtClean="0"/>
-              <a:t>Repeat for all elements in lower heap of A</a:t>
+              <a:t>Repeat for all elements in </a:t>
+            </a:r>
+            <a:r>
+              <a:rPr lang="en-US" dirty="0" smtClean="0"/>
+              <a:t>`lower` </a:t>
+            </a:r>
+            <a:r>
+              <a:rPr lang="en-US" dirty="0" smtClean="0"/>
+              <a:t>heap of A</a:t>
             </a:r>
           </a:p>
           <a:p>
             <a:pPr lvl="2"/>
             <a:r>
               <a:rPr lang="en-US" dirty="0" smtClean="0"/>
-              <a:t>Repeat for current of A</a:t>
+              <a:t>Repeat for </a:t>
+            </a:r>
+            <a:r>
+              <a:rPr lang="en-US" dirty="0" smtClean="0"/>
+              <a:t>`current` </a:t>
+            </a:r>
+            <a:r>
+              <a:rPr lang="en-US" dirty="0" smtClean="0"/>
+              <a:t>of A</a:t>
             </a:r>
           </a:p>
           <a:p>
@@ -7599,7 +7660,11 @@
           <a:p>
             <a:r>
               <a:rPr lang="en-US" dirty="0" smtClean="0"/>
-              <a:t>Future Work</a:t>
+              <a:t>Future </a:t>
+            </a:r>
+            <a:r>
+              <a:rPr lang="en-US" dirty="0" smtClean="0"/>
+              <a:t>Work (cont.)</a:t>
             </a:r>
             <a:endParaRPr lang="en-US" dirty="0"/>
           </a:p>
@@ -8029,8 +8094,25 @@
                   </a:schemeClr>
                 </a:solidFill>
               </a:rPr>
-              <a:t>n = #words </a:t>
-            </a:r>
+              <a:t>n = </a:t>
+            </a:r>
+            <a:r>
+              <a:rPr lang="en-US" dirty="0" smtClean="0">
+                <a:solidFill>
+                  <a:schemeClr val="bg1">
+                    <a:lumMod val="75000"/>
+                  </a:schemeClr>
+                </a:solidFill>
+              </a:rPr>
+              <a:t>#unique words </a:t>
+            </a:r>
+            <a:endParaRPr lang="en-US" dirty="0" smtClean="0">
+              <a:solidFill>
+                <a:schemeClr val="bg1">
+                  <a:lumMod val="75000"/>
+                </a:schemeClr>
+              </a:solidFill>
+            </a:endParaRPr>
           </a:p>
           <a:p>
             <a:pPr lvl="1"/>
@@ -8339,7 +8421,27 @@
                   </a:schemeClr>
                 </a:solidFill>
               </a:rPr>
-              <a:t>elements, #lines in our case</a:t>
+              <a:t>elements, </a:t>
+            </a:r>
+            <a:r>
+              <a:rPr lang="en-US" dirty="0" smtClean="0">
+                <a:solidFill>
+                  <a:schemeClr val="bg1">
+                    <a:lumMod val="75000"/>
+                  </a:schemeClr>
+                </a:solidFill>
+              </a:rPr>
+              <a:t>i.e. #lines </a:t>
+            </a:r>
+            <a:r>
+              <a:rPr lang="en-US" dirty="0" smtClean="0">
+                <a:solidFill>
+                  <a:schemeClr val="bg1">
+                    <a:lumMod val="75000"/>
+                  </a:schemeClr>
+                </a:solidFill>
+              </a:rPr>
+              <a:t>in our case</a:t>
             </a:r>
           </a:p>
           <a:p>
@@ -8522,7 +8624,11 @@
             </a:r>
             <a:r>
               <a:rPr lang="en-US" dirty="0" smtClean="0"/>
-              <a:t> = </a:t>
+              <a:t> </a:t>
+            </a:r>
+            <a:r>
+              <a:rPr lang="en-US" dirty="0" smtClean="0"/>
+              <a:t>== </a:t>
             </a:r>
             <a:r>
               <a:rPr lang="en-US" dirty="0" err="1" smtClean="0"/>
@@ -8559,7 +8665,19 @@
             </a:br>
             <a:r>
               <a:rPr lang="en-US" dirty="0" smtClean="0"/>
-              <a:t>Median = mean(top(lower), top(upper) of </a:t>
+              <a:t>Median = mean(top(lower), top(upper</a:t>
+            </a:r>
+            <a:r>
+              <a:rPr lang="en-US" dirty="0" smtClean="0"/>
+              <a:t>)) </a:t>
+            </a:r>
+            <a:r>
+              <a:rPr lang="en-US" dirty="0"/>
+              <a:t>i</a:t>
+            </a:r>
+            <a:r>
+              <a:rPr lang="en-US" dirty="0" smtClean="0"/>
+              <a:t>f </a:t>
             </a:r>
             <a:r>
               <a:rPr lang="en-US" dirty="0" err="1" smtClean="0"/>
@@ -8726,53 +8844,83 @@
           <a:p>
             <a:r>
               <a:rPr lang="en-US" dirty="0" smtClean="0"/>
-              <a:t>Store counts in array, with array index == #words/line</a:t>
-            </a:r>
-          </a:p>
-          <a:p>
-            <a:r>
-              <a:rPr lang="en-US" dirty="0" smtClean="0"/>
-              <a:t>Update: counts[</a:t>
-            </a:r>
-            <a:r>
-              <a:rPr lang="en-US" dirty="0" err="1" smtClean="0"/>
-              <a:t>elem</a:t>
-            </a:r>
-            <a:r>
-              <a:rPr lang="en-US" dirty="0" smtClean="0"/>
-              <a:t>] += 1</a:t>
-            </a:r>
-          </a:p>
-          <a:p>
-            <a:r>
-              <a:rPr lang="en-US" dirty="0" smtClean="0"/>
-              <a:t>Median: walk through array and calculate cumulative sum (median is where cumulative sum increases to over half of total count)</a:t>
-            </a:r>
-          </a:p>
-          <a:p>
-            <a:r>
-              <a:rPr lang="en-US" dirty="0" smtClean="0"/>
-              <a:t>Tricky:</a:t>
-            </a:r>
-          </a:p>
-          <a:p>
-            <a:pPr lvl="1"/>
-            <a:r>
-              <a:rPr lang="en-US" dirty="0" smtClean="0"/>
-              <a:t>Requires to set a maximum #words/line in advance (can be solved with dynamically growing array)</a:t>
-            </a:r>
-          </a:p>
-          <a:p>
-            <a:pPr lvl="1"/>
-            <a:r>
-              <a:rPr lang="en-US" dirty="0" smtClean="0"/>
-              <a:t>Very large element leads to very large array with sparse information </a:t>
+              <a:t>Use the fact that </a:t>
+            </a:r>
+            <a:r>
+              <a:rPr lang="en-US" dirty="0" smtClean="0"/>
+              <a:t>elements are only integers, and mostly low </a:t>
             </a:r>
             <a:r>
               <a:rPr lang="en-US" dirty="0" smtClean="0">
                 <a:sym typeface="Wingdings" panose="05000000000000000000" pitchFamily="2" charset="2"/>
               </a:rPr>
-              <a:t> can blow up if data is not nice</a:t>
+              <a:t> lots of duplicates  </a:t>
+            </a:r>
+            <a:r>
+              <a:rPr lang="en-US" dirty="0" smtClean="0"/>
+              <a:t>Store </a:t>
+            </a:r>
+            <a:r>
+              <a:rPr lang="en-US" dirty="0" smtClean="0"/>
+              <a:t>counts in array, with array index == #words/line</a:t>
+            </a:r>
+          </a:p>
+          <a:p>
+            <a:r>
+              <a:rPr lang="en-US" dirty="0" smtClean="0"/>
+              <a:t>Update: counts[</a:t>
+            </a:r>
+            <a:r>
+              <a:rPr lang="en-US" dirty="0" err="1" smtClean="0"/>
+              <a:t>elem</a:t>
+            </a:r>
+            <a:r>
+              <a:rPr lang="en-US" dirty="0" smtClean="0"/>
+              <a:t>] += 1</a:t>
+            </a:r>
+          </a:p>
+          <a:p>
+            <a:r>
+              <a:rPr lang="en-US" dirty="0" smtClean="0"/>
+              <a:t>Median: walk through array and calculate cumulative sum (median is where cumulative sum increases to over half of total count)</a:t>
+            </a:r>
+          </a:p>
+          <a:p>
+            <a:r>
+              <a:rPr lang="en-US" dirty="0" smtClean="0"/>
+              <a:t>Tricky:</a:t>
+            </a:r>
+          </a:p>
+          <a:p>
+            <a:pPr lvl="1"/>
+            <a:r>
+              <a:rPr lang="en-US" dirty="0" smtClean="0"/>
+              <a:t>Requires to set a maximum #words/line in advance (can be solved with dynamically growing array)</a:t>
+            </a:r>
+          </a:p>
+          <a:p>
+            <a:pPr lvl="1"/>
+            <a:r>
+              <a:rPr lang="en-US" dirty="0" smtClean="0"/>
+              <a:t>Very large element leads to very large array with sparse information </a:t>
+            </a:r>
+            <a:r>
+              <a:rPr lang="en-US" dirty="0" smtClean="0">
+                <a:sym typeface="Wingdings" panose="05000000000000000000" pitchFamily="2" charset="2"/>
+              </a:rPr>
+              <a:t> can blow </a:t>
+            </a:r>
+            <a:r>
+              <a:rPr lang="en-US" dirty="0" smtClean="0">
+                <a:sym typeface="Wingdings" panose="05000000000000000000" pitchFamily="2" charset="2"/>
+              </a:rPr>
+              <a:t>up memory if </a:t>
+            </a:r>
+            <a:r>
+              <a:rPr lang="en-US" dirty="0" smtClean="0">
+                <a:sym typeface="Wingdings" panose="05000000000000000000" pitchFamily="2" charset="2"/>
+              </a:rPr>
+              <a:t>data is not nice</a:t>
             </a:r>
             <a:endParaRPr lang="en-US" dirty="0" smtClean="0"/>
           </a:p>
@@ -8792,23 +8940,23 @@
               </a:spcBef>
             </a:pPr>
             <a:r>
-              <a:rPr lang="en-US" dirty="0" smtClean="0"/>
+              <a:rPr lang="en-US" sz="2900" dirty="0" smtClean="0"/>
               <a:t>Median calculation Time: O(</a:t>
             </a:r>
             <a:r>
-              <a:rPr lang="en-US" dirty="0" err="1" smtClean="0"/>
+              <a:rPr lang="en-US" sz="2900" dirty="0" err="1" smtClean="0"/>
               <a:t>k</a:t>
             </a:r>
             <a:r>
-              <a:rPr lang="en-US" baseline="-25000" dirty="0" err="1" smtClean="0"/>
+              <a:rPr lang="en-US" sz="2900" baseline="-25000" dirty="0" err="1" smtClean="0"/>
               <a:t>max</a:t>
             </a:r>
             <a:r>
-              <a:rPr lang="en-US" dirty="0" smtClean="0"/>
+              <a:rPr lang="en-US" sz="2900" dirty="0" smtClean="0"/>
               <a:t>)  </a:t>
             </a:r>
             <a:r>
-              <a:rPr lang="en-US" dirty="0" smtClean="0">
+              <a:rPr lang="en-US" sz="2900" dirty="0" smtClean="0">
                 <a:solidFill>
                   <a:schemeClr val="bg1">
                     <a:lumMod val="75000"/>
@@ -8818,7 +8966,7 @@
               <a:t> (</a:t>
             </a:r>
             <a:r>
-              <a:rPr lang="en-US" dirty="0" err="1">
+              <a:rPr lang="en-US" sz="2900" dirty="0" err="1">
                 <a:solidFill>
                   <a:schemeClr val="bg1">
                     <a:lumMod val="75000"/>
@@ -8828,7 +8976,7 @@
               <a:t>k</a:t>
             </a:r>
             <a:r>
-              <a:rPr lang="en-US" baseline="-25000" dirty="0" err="1">
+              <a:rPr lang="en-US" sz="2900" baseline="-25000" dirty="0" err="1">
                 <a:solidFill>
                   <a:schemeClr val="bg1">
                     <a:lumMod val="75000"/>
@@ -8838,7 +8986,7 @@
               <a:t>max</a:t>
             </a:r>
             <a:r>
-              <a:rPr lang="en-US" dirty="0">
+              <a:rPr lang="en-US" sz="2900" dirty="0">
                 <a:solidFill>
                   <a:schemeClr val="bg1">
                     <a:lumMod val="75000"/>
@@ -8848,7 +8996,7 @@
               <a:t> = maximum #</a:t>
             </a:r>
             <a:r>
-              <a:rPr lang="en-US" dirty="0" smtClean="0">
+              <a:rPr lang="en-US" sz="2900" dirty="0" smtClean="0">
                 <a:solidFill>
                   <a:schemeClr val="bg1">
                     <a:lumMod val="75000"/>
@@ -8900,7 +9048,13 @@
               <a:rPr lang="en-US" dirty="0" smtClean="0">
                 <a:sym typeface="Wingdings" panose="05000000000000000000" pitchFamily="2" charset="2"/>
               </a:rPr>
-              <a:t> Still simple</a:t>
+              <a:t>Still </a:t>
+            </a:r>
+            <a:r>
+              <a:rPr lang="en-US" dirty="0" smtClean="0">
+                <a:sym typeface="Wingdings" panose="05000000000000000000" pitchFamily="2" charset="2"/>
+              </a:rPr>
+              <a:t>simple</a:t>
             </a:r>
           </a:p>
           <a:p>
